--- a/HW6/天球座標.pptx
+++ b/HW6/天球座標.pptx
@@ -260,7 +260,7 @@
           <a:p>
             <a:fld id="{0DF5CB6F-A0CA-48AD-8F3A-7FA2C68ABAD9}" type="datetimeFigureOut">
               <a:rPr lang="zh-TW" altLang="en-US" smtClean="0"/>
-              <a:t>2020-06-20</a:t>
+              <a:t>2020-06-25</a:t>
             </a:fld>
             <a:endParaRPr lang="zh-TW" altLang="en-US"/>
           </a:p>
@@ -458,7 +458,7 @@
           <a:p>
             <a:fld id="{0DF5CB6F-A0CA-48AD-8F3A-7FA2C68ABAD9}" type="datetimeFigureOut">
               <a:rPr lang="zh-TW" altLang="en-US" smtClean="0"/>
-              <a:t>2020-06-20</a:t>
+              <a:t>2020-06-25</a:t>
             </a:fld>
             <a:endParaRPr lang="zh-TW" altLang="en-US"/>
           </a:p>
@@ -666,7 +666,7 @@
           <a:p>
             <a:fld id="{0DF5CB6F-A0CA-48AD-8F3A-7FA2C68ABAD9}" type="datetimeFigureOut">
               <a:rPr lang="zh-TW" altLang="en-US" smtClean="0"/>
-              <a:t>2020-06-20</a:t>
+              <a:t>2020-06-25</a:t>
             </a:fld>
             <a:endParaRPr lang="zh-TW" altLang="en-US"/>
           </a:p>
@@ -864,7 +864,7 @@
           <a:p>
             <a:fld id="{0DF5CB6F-A0CA-48AD-8F3A-7FA2C68ABAD9}" type="datetimeFigureOut">
               <a:rPr lang="zh-TW" altLang="en-US" smtClean="0"/>
-              <a:t>2020-06-20</a:t>
+              <a:t>2020-06-25</a:t>
             </a:fld>
             <a:endParaRPr lang="zh-TW" altLang="en-US"/>
           </a:p>
@@ -1139,7 +1139,7 @@
           <a:p>
             <a:fld id="{0DF5CB6F-A0CA-48AD-8F3A-7FA2C68ABAD9}" type="datetimeFigureOut">
               <a:rPr lang="zh-TW" altLang="en-US" smtClean="0"/>
-              <a:t>2020-06-20</a:t>
+              <a:t>2020-06-25</a:t>
             </a:fld>
             <a:endParaRPr lang="zh-TW" altLang="en-US"/>
           </a:p>
@@ -1404,7 +1404,7 @@
           <a:p>
             <a:fld id="{0DF5CB6F-A0CA-48AD-8F3A-7FA2C68ABAD9}" type="datetimeFigureOut">
               <a:rPr lang="zh-TW" altLang="en-US" smtClean="0"/>
-              <a:t>2020-06-20</a:t>
+              <a:t>2020-06-25</a:t>
             </a:fld>
             <a:endParaRPr lang="zh-TW" altLang="en-US"/>
           </a:p>
@@ -1816,7 +1816,7 @@
           <a:p>
             <a:fld id="{0DF5CB6F-A0CA-48AD-8F3A-7FA2C68ABAD9}" type="datetimeFigureOut">
               <a:rPr lang="zh-TW" altLang="en-US" smtClean="0"/>
-              <a:t>2020-06-20</a:t>
+              <a:t>2020-06-25</a:t>
             </a:fld>
             <a:endParaRPr lang="zh-TW" altLang="en-US"/>
           </a:p>
@@ -1957,7 +1957,7 @@
           <a:p>
             <a:fld id="{0DF5CB6F-A0CA-48AD-8F3A-7FA2C68ABAD9}" type="datetimeFigureOut">
               <a:rPr lang="zh-TW" altLang="en-US" smtClean="0"/>
-              <a:t>2020-06-20</a:t>
+              <a:t>2020-06-25</a:t>
             </a:fld>
             <a:endParaRPr lang="zh-TW" altLang="en-US"/>
           </a:p>
@@ -2070,7 +2070,7 @@
           <a:p>
             <a:fld id="{0DF5CB6F-A0CA-48AD-8F3A-7FA2C68ABAD9}" type="datetimeFigureOut">
               <a:rPr lang="zh-TW" altLang="en-US" smtClean="0"/>
-              <a:t>2020-06-20</a:t>
+              <a:t>2020-06-25</a:t>
             </a:fld>
             <a:endParaRPr lang="zh-TW" altLang="en-US"/>
           </a:p>
@@ -2381,7 +2381,7 @@
           <a:p>
             <a:fld id="{0DF5CB6F-A0CA-48AD-8F3A-7FA2C68ABAD9}" type="datetimeFigureOut">
               <a:rPr lang="zh-TW" altLang="en-US" smtClean="0"/>
-              <a:t>2020-06-20</a:t>
+              <a:t>2020-06-25</a:t>
             </a:fld>
             <a:endParaRPr lang="zh-TW" altLang="en-US"/>
           </a:p>
@@ -2669,7 +2669,7 @@
           <a:p>
             <a:fld id="{0DF5CB6F-A0CA-48AD-8F3A-7FA2C68ABAD9}" type="datetimeFigureOut">
               <a:rPr lang="zh-TW" altLang="en-US" smtClean="0"/>
-              <a:t>2020-06-20</a:t>
+              <a:t>2020-06-25</a:t>
             </a:fld>
             <a:endParaRPr lang="zh-TW" altLang="en-US"/>
           </a:p>
@@ -2910,7 +2910,7 @@
           <a:p>
             <a:fld id="{0DF5CB6F-A0CA-48AD-8F3A-7FA2C68ABAD9}" type="datetimeFigureOut">
               <a:rPr lang="zh-TW" altLang="en-US" smtClean="0"/>
-              <a:t>2020-06-20</a:t>
+              <a:t>2020-06-25</a:t>
             </a:fld>
             <a:endParaRPr lang="zh-TW" altLang="en-US"/>
           </a:p>
@@ -3329,7 +3329,7 @@
       </p:grpSpPr>
       <p:sp>
         <p:nvSpPr>
-          <p:cNvPr id="168" name="Oval 168">
+          <p:cNvPr id="168" name="Oval 256 168">
             <a:extLst>
               <a:ext uri="{FF2B5EF4-FFF2-40B4-BE49-F238E27FC236}">
                 <a16:creationId xmlns:a16="http://schemas.microsoft.com/office/drawing/2014/main" id="{0610E126-6C16-44DF-A68E-9D22F7A80757}"/>
@@ -5000,7 +5000,7 @@
       </p:sp>
       <p:grpSp>
         <p:nvGrpSpPr>
-          <p:cNvPr id="147" name="群組 146">
+          <p:cNvPr id="147" name="Group 256 147">
             <a:extLst>
               <a:ext uri="{FF2B5EF4-FFF2-40B4-BE49-F238E27FC236}">
                 <a16:creationId xmlns:a16="http://schemas.microsoft.com/office/drawing/2014/main" id="{ECACB7F8-59CB-4236-82EF-F6A2651ECE6A}"/>
@@ -5199,7 +5199,7 @@
       </p:sp>
       <p:sp>
         <p:nvSpPr>
-          <p:cNvPr id="172" name="手繪多邊形: 圖案 171">
+          <p:cNvPr id="172" name="Freeform 256 172">
             <a:extLst>
               <a:ext uri="{FF2B5EF4-FFF2-40B4-BE49-F238E27FC236}">
                 <a16:creationId xmlns:a16="http://schemas.microsoft.com/office/drawing/2014/main" id="{71395AFB-61B1-45A3-BA80-4134AE09F431}"/>
@@ -5347,12 +5347,164 @@
           </a:p>
         </p:txBody>
       </p:sp>
+      <p:cxnSp>
+        <p:nvCxnSpPr>
+          <p:cNvPr id="6" name="Straight 256 6">
+            <a:extLst>
+              <a:ext uri="{FF2B5EF4-FFF2-40B4-BE49-F238E27FC236}">
+                <a16:creationId xmlns:a16="http://schemas.microsoft.com/office/drawing/2014/main" id="{48D0330F-CF1B-4F50-9A0C-074AF65AB3C4}"/>
+              </a:ext>
+            </a:extLst>
+          </p:cNvPr>
+          <p:cNvCxnSpPr>
+            <a:cxnSpLocks/>
+          </p:cNvCxnSpPr>
+          <p:nvPr/>
+        </p:nvCxnSpPr>
+        <p:spPr>
+          <a:xfrm flipV="1">
+            <a:off x="6776187" y="444493"/>
+            <a:ext cx="0" cy="3560885"/>
+          </a:xfrm>
+          <a:prstGeom prst="straightConnector1">
+            <a:avLst/>
+          </a:prstGeom>
+          <a:noFill/>
+          <a:ln w="38100">
+            <a:solidFill>
+              <a:schemeClr val="tx1"/>
+            </a:solidFill>
+            <a:headEnd type="none" w="med" len="med"/>
+            <a:tailEnd type="triangle" w="med" len="med"/>
+          </a:ln>
+        </p:spPr>
+        <p:style>
+          <a:lnRef idx="2">
+            <a:schemeClr val="accent1">
+              <a:shade val="50000"/>
+            </a:schemeClr>
+          </a:lnRef>
+          <a:fillRef idx="1">
+            <a:schemeClr val="accent1"/>
+          </a:fillRef>
+          <a:effectRef idx="0">
+            <a:schemeClr val="accent1"/>
+          </a:effectRef>
+          <a:fontRef idx="minor">
+            <a:schemeClr val="lt1"/>
+          </a:fontRef>
+        </p:style>
+      </p:cxnSp>
+      <p:sp>
+        <p:nvSpPr>
+          <p:cNvPr id="158" name="Oval 256 158">
+            <a:extLst>
+              <a:ext uri="{FF2B5EF4-FFF2-40B4-BE49-F238E27FC236}">
+                <a16:creationId xmlns:a16="http://schemas.microsoft.com/office/drawing/2014/main" id="{903EC6AD-AD7E-46FD-B91A-B7C8375552B5}"/>
+              </a:ext>
+            </a:extLst>
+          </p:cNvPr>
+          <p:cNvSpPr/>
+          <p:nvPr/>
+        </p:nvSpPr>
+        <p:spPr>
+          <a:xfrm>
+            <a:off x="6725593" y="3946615"/>
+            <a:ext cx="108000" cy="108000"/>
+          </a:xfrm>
+          <a:prstGeom prst="ellipse">
+            <a:avLst/>
+          </a:prstGeom>
+          <a:solidFill>
+            <a:srgbClr val="FF0000"/>
+          </a:solidFill>
+          <a:ln>
+            <a:noFill/>
+          </a:ln>
+        </p:spPr>
+        <p:style>
+          <a:lnRef idx="2">
+            <a:schemeClr val="accent1">
+              <a:shade val="50000"/>
+            </a:schemeClr>
+          </a:lnRef>
+          <a:fillRef idx="1">
+            <a:schemeClr val="accent1"/>
+          </a:fillRef>
+          <a:effectRef idx="0">
+            <a:schemeClr val="accent1"/>
+          </a:effectRef>
+          <a:fontRef idx="minor">
+            <a:schemeClr val="lt1"/>
+          </a:fontRef>
+        </p:style>
+        <p:txBody>
+          <a:bodyPr rtlCol="0" anchor="ctr"/>
+          <a:lstStyle/>
+          <a:p>
+            <a:pPr algn="ctr"/>
+            <a:endParaRPr lang="zh-TW" altLang="en-US"/>
+          </a:p>
+        </p:txBody>
+      </p:sp>
+      <p:sp>
+        <p:nvSpPr>
+          <p:cNvPr id="157" name="Oval 256 157">
+            <a:extLst>
+              <a:ext uri="{FF2B5EF4-FFF2-40B4-BE49-F238E27FC236}">
+                <a16:creationId xmlns:a16="http://schemas.microsoft.com/office/drawing/2014/main" id="{04AA45D3-6F11-4932-98AC-A1338DA419C1}"/>
+              </a:ext>
+            </a:extLst>
+          </p:cNvPr>
+          <p:cNvSpPr/>
+          <p:nvPr/>
+        </p:nvSpPr>
+        <p:spPr>
+          <a:xfrm>
+            <a:off x="6720055" y="1405485"/>
+            <a:ext cx="108000" cy="108000"/>
+          </a:xfrm>
+          <a:prstGeom prst="ellipse">
+            <a:avLst/>
+          </a:prstGeom>
+          <a:solidFill>
+            <a:srgbClr val="FF0000"/>
+          </a:solidFill>
+          <a:ln>
+            <a:noFill/>
+          </a:ln>
+        </p:spPr>
+        <p:style>
+          <a:lnRef idx="2">
+            <a:schemeClr val="accent1">
+              <a:shade val="50000"/>
+            </a:schemeClr>
+          </a:lnRef>
+          <a:fillRef idx="1">
+            <a:schemeClr val="accent1"/>
+          </a:fillRef>
+          <a:effectRef idx="0">
+            <a:schemeClr val="accent1"/>
+          </a:effectRef>
+          <a:fontRef idx="minor">
+            <a:schemeClr val="lt1"/>
+          </a:fontRef>
+        </p:style>
+        <p:txBody>
+          <a:bodyPr rtlCol="0" anchor="ctr"/>
+          <a:lstStyle/>
+          <a:p>
+            <a:pPr algn="ctr"/>
+            <a:endParaRPr lang="zh-TW" altLang="en-US"/>
+          </a:p>
+        </p:txBody>
+      </p:sp>
       <p:grpSp>
         <p:nvGrpSpPr>
-          <p:cNvPr id="92" name="Group 256 92">
-            <a:extLst>
-              <a:ext uri="{FF2B5EF4-FFF2-40B4-BE49-F238E27FC236}">
-                <a16:creationId xmlns:a16="http://schemas.microsoft.com/office/drawing/2014/main" id="{0C9E65C1-4EDF-4D0F-8BA0-DE09E3E9FCEF}"/>
+          <p:cNvPr id="187" name="Group 256 187">
+            <a:extLst>
+              <a:ext uri="{FF2B5EF4-FFF2-40B4-BE49-F238E27FC236}">
+                <a16:creationId xmlns:a16="http://schemas.microsoft.com/office/drawing/2014/main" id="{A4AAFE72-53A2-4032-ACCF-8A77D555D56A}"/>
               </a:ext>
             </a:extLst>
           </p:cNvPr>
@@ -5361,7 +5513,241 @@
         </p:nvGrpSpPr>
         <p:grpSpPr>
           <a:xfrm>
-            <a:off x="2800993" y="1781098"/>
+            <a:off x="6767870" y="3835128"/>
+            <a:ext cx="180000" cy="180000"/>
+            <a:chOff x="6767870" y="3835128"/>
+            <a:chExt cx="180000" cy="180000"/>
+          </a:xfrm>
+        </p:grpSpPr>
+        <p:cxnSp>
+          <p:nvCxnSpPr>
+            <p:cNvPr id="173" name="Straight 256 6">
+              <a:extLst>
+                <a:ext uri="{FF2B5EF4-FFF2-40B4-BE49-F238E27FC236}">
+                  <a16:creationId xmlns:a16="http://schemas.microsoft.com/office/drawing/2014/main" id="{0F19BAF7-DAE5-4FE1-AE0E-36AE3C3C492B}"/>
+                </a:ext>
+              </a:extLst>
+            </p:cNvPr>
+            <p:cNvCxnSpPr>
+              <a:cxnSpLocks/>
+            </p:cNvCxnSpPr>
+            <p:nvPr/>
+          </p:nvCxnSpPr>
+          <p:spPr>
+            <a:xfrm flipV="1">
+              <a:off x="6939138" y="3835128"/>
+              <a:ext cx="0" cy="180000"/>
+            </a:xfrm>
+            <a:prstGeom prst="straightConnector1">
+              <a:avLst/>
+            </a:prstGeom>
+            <a:noFill/>
+            <a:ln w="19050">
+              <a:solidFill>
+                <a:schemeClr val="tx1"/>
+              </a:solidFill>
+              <a:headEnd type="none" w="med" len="med"/>
+              <a:tailEnd type="none" w="med" len="med"/>
+            </a:ln>
+          </p:spPr>
+          <p:style>
+            <a:lnRef idx="2">
+              <a:schemeClr val="accent1">
+                <a:shade val="50000"/>
+              </a:schemeClr>
+            </a:lnRef>
+            <a:fillRef idx="1">
+              <a:schemeClr val="accent1"/>
+            </a:fillRef>
+            <a:effectRef idx="0">
+              <a:schemeClr val="accent1"/>
+            </a:effectRef>
+            <a:fontRef idx="minor">
+              <a:schemeClr val="lt1"/>
+            </a:fontRef>
+          </p:style>
+        </p:cxnSp>
+        <p:cxnSp>
+          <p:nvCxnSpPr>
+            <p:cNvPr id="176" name="Straight 256 6">
+              <a:extLst>
+                <a:ext uri="{FF2B5EF4-FFF2-40B4-BE49-F238E27FC236}">
+                  <a16:creationId xmlns:a16="http://schemas.microsoft.com/office/drawing/2014/main" id="{5E72372B-7BD0-4D00-AA47-6ED5913F2092}"/>
+                </a:ext>
+              </a:extLst>
+            </p:cNvPr>
+            <p:cNvCxnSpPr>
+              <a:cxnSpLocks/>
+            </p:cNvCxnSpPr>
+            <p:nvPr/>
+          </p:nvCxnSpPr>
+          <p:spPr>
+            <a:xfrm rot="16200000" flipV="1">
+              <a:off x="6857870" y="3754780"/>
+              <a:ext cx="0" cy="180000"/>
+            </a:xfrm>
+            <a:prstGeom prst="straightConnector1">
+              <a:avLst/>
+            </a:prstGeom>
+            <a:noFill/>
+            <a:ln w="19050">
+              <a:solidFill>
+                <a:schemeClr val="tx1"/>
+              </a:solidFill>
+              <a:headEnd type="none" w="med" len="med"/>
+              <a:tailEnd type="none" w="med" len="med"/>
+            </a:ln>
+          </p:spPr>
+          <p:style>
+            <a:lnRef idx="2">
+              <a:schemeClr val="accent1">
+                <a:shade val="50000"/>
+              </a:schemeClr>
+            </a:lnRef>
+            <a:fillRef idx="1">
+              <a:schemeClr val="accent1"/>
+            </a:fillRef>
+            <a:effectRef idx="0">
+              <a:schemeClr val="accent1"/>
+            </a:effectRef>
+            <a:fontRef idx="minor">
+              <a:schemeClr val="lt1"/>
+            </a:fontRef>
+          </p:style>
+        </p:cxnSp>
+      </p:grpSp>
+      <p:grpSp>
+        <p:nvGrpSpPr>
+          <p:cNvPr id="188" name="Group 256 188">
+            <a:extLst>
+              <a:ext uri="{FF2B5EF4-FFF2-40B4-BE49-F238E27FC236}">
+                <a16:creationId xmlns:a16="http://schemas.microsoft.com/office/drawing/2014/main" id="{B5F0949E-57C2-4BE7-AB0E-00DFB2247EC3}"/>
+              </a:ext>
+            </a:extLst>
+          </p:cNvPr>
+          <p:cNvGrpSpPr/>
+          <p:nvPr/>
+        </p:nvGrpSpPr>
+        <p:grpSpPr>
+          <a:xfrm>
+            <a:off x="6673698" y="3991472"/>
+            <a:ext cx="282284" cy="127949"/>
+            <a:chOff x="6673698" y="3991472"/>
+            <a:chExt cx="282284" cy="127949"/>
+          </a:xfrm>
+        </p:grpSpPr>
+        <p:cxnSp>
+          <p:nvCxnSpPr>
+            <p:cNvPr id="180" name="Straight 256 13">
+              <a:extLst>
+                <a:ext uri="{FF2B5EF4-FFF2-40B4-BE49-F238E27FC236}">
+                  <a16:creationId xmlns:a16="http://schemas.microsoft.com/office/drawing/2014/main" id="{49183DE9-8996-43D0-8C7C-7C2D83E3931E}"/>
+                </a:ext>
+              </a:extLst>
+            </p:cNvPr>
+            <p:cNvCxnSpPr>
+              <a:cxnSpLocks/>
+            </p:cNvCxnSpPr>
+            <p:nvPr/>
+          </p:nvCxnSpPr>
+          <p:spPr>
+            <a:xfrm flipH="1">
+              <a:off x="6848620" y="3991472"/>
+              <a:ext cx="107362" cy="127949"/>
+            </a:xfrm>
+            <a:prstGeom prst="straightConnector1">
+              <a:avLst/>
+            </a:prstGeom>
+            <a:noFill/>
+            <a:ln w="19050">
+              <a:solidFill>
+                <a:schemeClr val="tx1"/>
+              </a:solidFill>
+              <a:headEnd type="none" w="med" len="med"/>
+              <a:tailEnd type="none" w="med" len="med"/>
+            </a:ln>
+          </p:spPr>
+          <p:style>
+            <a:lnRef idx="2">
+              <a:schemeClr val="accent1">
+                <a:shade val="50000"/>
+              </a:schemeClr>
+            </a:lnRef>
+            <a:fillRef idx="1">
+              <a:schemeClr val="accent1"/>
+            </a:fillRef>
+            <a:effectRef idx="0">
+              <a:schemeClr val="accent1"/>
+            </a:effectRef>
+            <a:fontRef idx="minor">
+              <a:schemeClr val="lt1"/>
+            </a:fontRef>
+          </p:style>
+        </p:cxnSp>
+        <p:cxnSp>
+          <p:nvCxnSpPr>
+            <p:cNvPr id="183" name="Straight 256 8">
+              <a:extLst>
+                <a:ext uri="{FF2B5EF4-FFF2-40B4-BE49-F238E27FC236}">
+                  <a16:creationId xmlns:a16="http://schemas.microsoft.com/office/drawing/2014/main" id="{4F5F6D7A-6886-4685-A15F-CEF6E65FFCA1}"/>
+                </a:ext>
+              </a:extLst>
+            </p:cNvPr>
+            <p:cNvCxnSpPr>
+              <a:cxnSpLocks/>
+            </p:cNvCxnSpPr>
+            <p:nvPr/>
+          </p:nvCxnSpPr>
+          <p:spPr>
+            <a:xfrm>
+              <a:off x="6673698" y="4116042"/>
+              <a:ext cx="180000" cy="0"/>
+            </a:xfrm>
+            <a:prstGeom prst="straightConnector1">
+              <a:avLst/>
+            </a:prstGeom>
+            <a:noFill/>
+            <a:ln w="19050">
+              <a:solidFill>
+                <a:schemeClr val="tx1"/>
+              </a:solidFill>
+              <a:headEnd type="none" w="med" len="med"/>
+              <a:tailEnd type="none" w="med" len="med"/>
+            </a:ln>
+          </p:spPr>
+          <p:style>
+            <a:lnRef idx="2">
+              <a:schemeClr val="accent1">
+                <a:shade val="50000"/>
+              </a:schemeClr>
+            </a:lnRef>
+            <a:fillRef idx="1">
+              <a:schemeClr val="accent1"/>
+            </a:fillRef>
+            <a:effectRef idx="0">
+              <a:schemeClr val="accent1"/>
+            </a:effectRef>
+            <a:fontRef idx="minor">
+              <a:schemeClr val="lt1"/>
+            </a:fontRef>
+          </p:style>
+        </p:cxnSp>
+      </p:grpSp>
+      <p:grpSp>
+        <p:nvGrpSpPr>
+          <p:cNvPr id="92" name="Group 256 92">
+            <a:extLst>
+              <a:ext uri="{FF2B5EF4-FFF2-40B4-BE49-F238E27FC236}">
+                <a16:creationId xmlns:a16="http://schemas.microsoft.com/office/drawing/2014/main" id="{0C9E65C1-4EDF-4D0F-8BA0-DE09E3E9FCEF}"/>
+              </a:ext>
+            </a:extLst>
+          </p:cNvPr>
+          <p:cNvGrpSpPr/>
+          <p:nvPr/>
+        </p:nvGrpSpPr>
+        <p:grpSpPr>
+          <a:xfrm>
+            <a:off x="2815284" y="1721522"/>
             <a:ext cx="3542354" cy="1081414"/>
             <a:chOff x="1534444" y="690838"/>
             <a:chExt cx="3736760" cy="1081414"/>
@@ -5763,9 +6149,7 @@
               <a:prstGeom prst="rect">
                 <a:avLst/>
               </a:prstGeom>
-              <a:solidFill>
-                <a:schemeClr val="bg1"/>
-              </a:solidFill>
+              <a:grpFill/>
             </p:spPr>
             <p:txBody>
               <a:bodyPr wrap="square" rtlCol="0">
@@ -5901,392 +6285,6 @@
           </mc:AlternateContent>
         </p:grpSp>
       </p:grpSp>
-      <p:cxnSp>
-        <p:nvCxnSpPr>
-          <p:cNvPr id="6" name="Straight 256 6">
-            <a:extLst>
-              <a:ext uri="{FF2B5EF4-FFF2-40B4-BE49-F238E27FC236}">
-                <a16:creationId xmlns:a16="http://schemas.microsoft.com/office/drawing/2014/main" id="{48D0330F-CF1B-4F50-9A0C-074AF65AB3C4}"/>
-              </a:ext>
-            </a:extLst>
-          </p:cNvPr>
-          <p:cNvCxnSpPr>
-            <a:cxnSpLocks/>
-          </p:cNvCxnSpPr>
-          <p:nvPr/>
-        </p:nvCxnSpPr>
-        <p:spPr>
-          <a:xfrm flipV="1">
-            <a:off x="6776187" y="444493"/>
-            <a:ext cx="0" cy="3560885"/>
-          </a:xfrm>
-          <a:prstGeom prst="straightConnector1">
-            <a:avLst/>
-          </a:prstGeom>
-          <a:noFill/>
-          <a:ln w="38100">
-            <a:solidFill>
-              <a:schemeClr val="tx1"/>
-            </a:solidFill>
-            <a:headEnd type="none" w="med" len="med"/>
-            <a:tailEnd type="triangle" w="med" len="med"/>
-          </a:ln>
-        </p:spPr>
-        <p:style>
-          <a:lnRef idx="2">
-            <a:schemeClr val="accent1">
-              <a:shade val="50000"/>
-            </a:schemeClr>
-          </a:lnRef>
-          <a:fillRef idx="1">
-            <a:schemeClr val="accent1"/>
-          </a:fillRef>
-          <a:effectRef idx="0">
-            <a:schemeClr val="accent1"/>
-          </a:effectRef>
-          <a:fontRef idx="minor">
-            <a:schemeClr val="lt1"/>
-          </a:fontRef>
-        </p:style>
-      </p:cxnSp>
-      <p:sp>
-        <p:nvSpPr>
-          <p:cNvPr id="158" name="Oval 256 158">
-            <a:extLst>
-              <a:ext uri="{FF2B5EF4-FFF2-40B4-BE49-F238E27FC236}">
-                <a16:creationId xmlns:a16="http://schemas.microsoft.com/office/drawing/2014/main" id="{903EC6AD-AD7E-46FD-B91A-B7C8375552B5}"/>
-              </a:ext>
-            </a:extLst>
-          </p:cNvPr>
-          <p:cNvSpPr/>
-          <p:nvPr/>
-        </p:nvSpPr>
-        <p:spPr>
-          <a:xfrm>
-            <a:off x="6725593" y="3946615"/>
-            <a:ext cx="108000" cy="108000"/>
-          </a:xfrm>
-          <a:prstGeom prst="ellipse">
-            <a:avLst/>
-          </a:prstGeom>
-          <a:solidFill>
-            <a:srgbClr val="FF0000"/>
-          </a:solidFill>
-          <a:ln>
-            <a:noFill/>
-          </a:ln>
-        </p:spPr>
-        <p:style>
-          <a:lnRef idx="2">
-            <a:schemeClr val="accent1">
-              <a:shade val="50000"/>
-            </a:schemeClr>
-          </a:lnRef>
-          <a:fillRef idx="1">
-            <a:schemeClr val="accent1"/>
-          </a:fillRef>
-          <a:effectRef idx="0">
-            <a:schemeClr val="accent1"/>
-          </a:effectRef>
-          <a:fontRef idx="minor">
-            <a:schemeClr val="lt1"/>
-          </a:fontRef>
-        </p:style>
-        <p:txBody>
-          <a:bodyPr rtlCol="0" anchor="ctr"/>
-          <a:lstStyle/>
-          <a:p>
-            <a:pPr algn="ctr"/>
-            <a:endParaRPr lang="zh-TW" altLang="en-US"/>
-          </a:p>
-        </p:txBody>
-      </p:sp>
-      <p:sp>
-        <p:nvSpPr>
-          <p:cNvPr id="157" name="Oval 256 157">
-            <a:extLst>
-              <a:ext uri="{FF2B5EF4-FFF2-40B4-BE49-F238E27FC236}">
-                <a16:creationId xmlns:a16="http://schemas.microsoft.com/office/drawing/2014/main" id="{04AA45D3-6F11-4932-98AC-A1338DA419C1}"/>
-              </a:ext>
-            </a:extLst>
-          </p:cNvPr>
-          <p:cNvSpPr/>
-          <p:nvPr/>
-        </p:nvSpPr>
-        <p:spPr>
-          <a:xfrm>
-            <a:off x="6720055" y="1405485"/>
-            <a:ext cx="108000" cy="108000"/>
-          </a:xfrm>
-          <a:prstGeom prst="ellipse">
-            <a:avLst/>
-          </a:prstGeom>
-          <a:solidFill>
-            <a:srgbClr val="FF0000"/>
-          </a:solidFill>
-          <a:ln>
-            <a:noFill/>
-          </a:ln>
-        </p:spPr>
-        <p:style>
-          <a:lnRef idx="2">
-            <a:schemeClr val="accent1">
-              <a:shade val="50000"/>
-            </a:schemeClr>
-          </a:lnRef>
-          <a:fillRef idx="1">
-            <a:schemeClr val="accent1"/>
-          </a:fillRef>
-          <a:effectRef idx="0">
-            <a:schemeClr val="accent1"/>
-          </a:effectRef>
-          <a:fontRef idx="minor">
-            <a:schemeClr val="lt1"/>
-          </a:fontRef>
-        </p:style>
-        <p:txBody>
-          <a:bodyPr rtlCol="0" anchor="ctr"/>
-          <a:lstStyle/>
-          <a:p>
-            <a:pPr algn="ctr"/>
-            <a:endParaRPr lang="zh-TW" altLang="en-US"/>
-          </a:p>
-        </p:txBody>
-      </p:sp>
-      <p:grpSp>
-        <p:nvGrpSpPr>
-          <p:cNvPr id="187" name="群組 186">
-            <a:extLst>
-              <a:ext uri="{FF2B5EF4-FFF2-40B4-BE49-F238E27FC236}">
-                <a16:creationId xmlns:a16="http://schemas.microsoft.com/office/drawing/2014/main" id="{A4AAFE72-53A2-4032-ACCF-8A77D555D56A}"/>
-              </a:ext>
-            </a:extLst>
-          </p:cNvPr>
-          <p:cNvGrpSpPr/>
-          <p:nvPr/>
-        </p:nvGrpSpPr>
-        <p:grpSpPr>
-          <a:xfrm>
-            <a:off x="6767870" y="3835128"/>
-            <a:ext cx="180000" cy="180000"/>
-            <a:chOff x="6767870" y="3835128"/>
-            <a:chExt cx="180000" cy="180000"/>
-          </a:xfrm>
-        </p:grpSpPr>
-        <p:cxnSp>
-          <p:nvCxnSpPr>
-            <p:cNvPr id="173" name="Straight 256 6">
-              <a:extLst>
-                <a:ext uri="{FF2B5EF4-FFF2-40B4-BE49-F238E27FC236}">
-                  <a16:creationId xmlns:a16="http://schemas.microsoft.com/office/drawing/2014/main" id="{0F19BAF7-DAE5-4FE1-AE0E-36AE3C3C492B}"/>
-                </a:ext>
-              </a:extLst>
-            </p:cNvPr>
-            <p:cNvCxnSpPr>
-              <a:cxnSpLocks/>
-            </p:cNvCxnSpPr>
-            <p:nvPr/>
-          </p:nvCxnSpPr>
-          <p:spPr>
-            <a:xfrm flipV="1">
-              <a:off x="6939138" y="3835128"/>
-              <a:ext cx="0" cy="180000"/>
-            </a:xfrm>
-            <a:prstGeom prst="straightConnector1">
-              <a:avLst/>
-            </a:prstGeom>
-            <a:noFill/>
-            <a:ln w="19050">
-              <a:solidFill>
-                <a:schemeClr val="tx1"/>
-              </a:solidFill>
-              <a:headEnd type="none" w="med" len="med"/>
-              <a:tailEnd type="none" w="med" len="med"/>
-            </a:ln>
-          </p:spPr>
-          <p:style>
-            <a:lnRef idx="2">
-              <a:schemeClr val="accent1">
-                <a:shade val="50000"/>
-              </a:schemeClr>
-            </a:lnRef>
-            <a:fillRef idx="1">
-              <a:schemeClr val="accent1"/>
-            </a:fillRef>
-            <a:effectRef idx="0">
-              <a:schemeClr val="accent1"/>
-            </a:effectRef>
-            <a:fontRef idx="minor">
-              <a:schemeClr val="lt1"/>
-            </a:fontRef>
-          </p:style>
-        </p:cxnSp>
-        <p:cxnSp>
-          <p:nvCxnSpPr>
-            <p:cNvPr id="176" name="Straight 256 6">
-              <a:extLst>
-                <a:ext uri="{FF2B5EF4-FFF2-40B4-BE49-F238E27FC236}">
-                  <a16:creationId xmlns:a16="http://schemas.microsoft.com/office/drawing/2014/main" id="{5E72372B-7BD0-4D00-AA47-6ED5913F2092}"/>
-                </a:ext>
-              </a:extLst>
-            </p:cNvPr>
-            <p:cNvCxnSpPr>
-              <a:cxnSpLocks/>
-            </p:cNvCxnSpPr>
-            <p:nvPr/>
-          </p:nvCxnSpPr>
-          <p:spPr>
-            <a:xfrm rot="16200000" flipV="1">
-              <a:off x="6857870" y="3754780"/>
-              <a:ext cx="0" cy="180000"/>
-            </a:xfrm>
-            <a:prstGeom prst="straightConnector1">
-              <a:avLst/>
-            </a:prstGeom>
-            <a:noFill/>
-            <a:ln w="19050">
-              <a:solidFill>
-                <a:schemeClr val="tx1"/>
-              </a:solidFill>
-              <a:headEnd type="none" w="med" len="med"/>
-              <a:tailEnd type="none" w="med" len="med"/>
-            </a:ln>
-          </p:spPr>
-          <p:style>
-            <a:lnRef idx="2">
-              <a:schemeClr val="accent1">
-                <a:shade val="50000"/>
-              </a:schemeClr>
-            </a:lnRef>
-            <a:fillRef idx="1">
-              <a:schemeClr val="accent1"/>
-            </a:fillRef>
-            <a:effectRef idx="0">
-              <a:schemeClr val="accent1"/>
-            </a:effectRef>
-            <a:fontRef idx="minor">
-              <a:schemeClr val="lt1"/>
-            </a:fontRef>
-          </p:style>
-        </p:cxnSp>
-      </p:grpSp>
-      <p:grpSp>
-        <p:nvGrpSpPr>
-          <p:cNvPr id="188" name="群組 187">
-            <a:extLst>
-              <a:ext uri="{FF2B5EF4-FFF2-40B4-BE49-F238E27FC236}">
-                <a16:creationId xmlns:a16="http://schemas.microsoft.com/office/drawing/2014/main" id="{B5F0949E-57C2-4BE7-AB0E-00DFB2247EC3}"/>
-              </a:ext>
-            </a:extLst>
-          </p:cNvPr>
-          <p:cNvGrpSpPr/>
-          <p:nvPr/>
-        </p:nvGrpSpPr>
-        <p:grpSpPr>
-          <a:xfrm>
-            <a:off x="6673698" y="3991472"/>
-            <a:ext cx="282284" cy="127949"/>
-            <a:chOff x="6673698" y="3991472"/>
-            <a:chExt cx="282284" cy="127949"/>
-          </a:xfrm>
-        </p:grpSpPr>
-        <p:cxnSp>
-          <p:nvCxnSpPr>
-            <p:cNvPr id="180" name="Straight 256 13">
-              <a:extLst>
-                <a:ext uri="{FF2B5EF4-FFF2-40B4-BE49-F238E27FC236}">
-                  <a16:creationId xmlns:a16="http://schemas.microsoft.com/office/drawing/2014/main" id="{49183DE9-8996-43D0-8C7C-7C2D83E3931E}"/>
-                </a:ext>
-              </a:extLst>
-            </p:cNvPr>
-            <p:cNvCxnSpPr>
-              <a:cxnSpLocks/>
-            </p:cNvCxnSpPr>
-            <p:nvPr/>
-          </p:nvCxnSpPr>
-          <p:spPr>
-            <a:xfrm flipH="1">
-              <a:off x="6848620" y="3991472"/>
-              <a:ext cx="107362" cy="127949"/>
-            </a:xfrm>
-            <a:prstGeom prst="straightConnector1">
-              <a:avLst/>
-            </a:prstGeom>
-            <a:noFill/>
-            <a:ln w="19050">
-              <a:solidFill>
-                <a:schemeClr val="tx1"/>
-              </a:solidFill>
-              <a:headEnd type="none" w="med" len="med"/>
-              <a:tailEnd type="none" w="med" len="med"/>
-            </a:ln>
-          </p:spPr>
-          <p:style>
-            <a:lnRef idx="2">
-              <a:schemeClr val="accent1">
-                <a:shade val="50000"/>
-              </a:schemeClr>
-            </a:lnRef>
-            <a:fillRef idx="1">
-              <a:schemeClr val="accent1"/>
-            </a:fillRef>
-            <a:effectRef idx="0">
-              <a:schemeClr val="accent1"/>
-            </a:effectRef>
-            <a:fontRef idx="minor">
-              <a:schemeClr val="lt1"/>
-            </a:fontRef>
-          </p:style>
-        </p:cxnSp>
-        <p:cxnSp>
-          <p:nvCxnSpPr>
-            <p:cNvPr id="183" name="Straight 256 8">
-              <a:extLst>
-                <a:ext uri="{FF2B5EF4-FFF2-40B4-BE49-F238E27FC236}">
-                  <a16:creationId xmlns:a16="http://schemas.microsoft.com/office/drawing/2014/main" id="{4F5F6D7A-6886-4685-A15F-CEF6E65FFCA1}"/>
-                </a:ext>
-              </a:extLst>
-            </p:cNvPr>
-            <p:cNvCxnSpPr>
-              <a:cxnSpLocks/>
-            </p:cNvCxnSpPr>
-            <p:nvPr/>
-          </p:nvCxnSpPr>
-          <p:spPr>
-            <a:xfrm>
-              <a:off x="6673698" y="4116042"/>
-              <a:ext cx="180000" cy="0"/>
-            </a:xfrm>
-            <a:prstGeom prst="straightConnector1">
-              <a:avLst/>
-            </a:prstGeom>
-            <a:noFill/>
-            <a:ln w="19050">
-              <a:solidFill>
-                <a:schemeClr val="tx1"/>
-              </a:solidFill>
-              <a:headEnd type="none" w="med" len="med"/>
-              <a:tailEnd type="none" w="med" len="med"/>
-            </a:ln>
-          </p:spPr>
-          <p:style>
-            <a:lnRef idx="2">
-              <a:schemeClr val="accent1">
-                <a:shade val="50000"/>
-              </a:schemeClr>
-            </a:lnRef>
-            <a:fillRef idx="1">
-              <a:schemeClr val="accent1"/>
-            </a:fillRef>
-            <a:effectRef idx="0">
-              <a:schemeClr val="accent1"/>
-            </a:effectRef>
-            <a:fontRef idx="minor">
-              <a:schemeClr val="lt1"/>
-            </a:fontRef>
-          </p:style>
-        </p:cxnSp>
-      </p:grpSp>
     </p:spTree>
     <p:extLst>
       <p:ext uri="{BB962C8B-B14F-4D97-AF65-F5344CB8AC3E}">
@@ -7124,7 +7122,7 @@
                 <a:solidFill>
                   <a:srgbClr val="0070C0"/>
                 </a:solidFill>
-                <a:latin typeface="+mn-ea"/>
+                <a:latin typeface="+mj-lt"/>
               </a:rPr>
               <a:t>Z</a:t>
             </a:r>
@@ -7133,7 +7131,7 @@
                 <a:solidFill>
                   <a:srgbClr val="0070C0"/>
                 </a:solidFill>
-                <a:latin typeface="+mn-ea"/>
+                <a:latin typeface="+mj-lt"/>
               </a:rPr>
               <a:t>★</a:t>
             </a:r>
@@ -7141,7 +7139,7 @@
               <a:solidFill>
                 <a:srgbClr val="0070C0"/>
               </a:solidFill>
-              <a:latin typeface="+mn-ea"/>
+              <a:latin typeface="+mj-lt"/>
             </a:endParaRPr>
           </a:p>
         </p:txBody>
@@ -7179,7 +7177,7 @@
                 <a:solidFill>
                   <a:srgbClr val="0070C0"/>
                 </a:solidFill>
-                <a:latin typeface="+mn-ea"/>
+                <a:latin typeface="+mj-lt"/>
               </a:rPr>
               <a:t>Y</a:t>
             </a:r>
@@ -7188,7 +7186,7 @@
                 <a:solidFill>
                   <a:srgbClr val="0070C0"/>
                 </a:solidFill>
-                <a:latin typeface="+mn-ea"/>
+                <a:latin typeface="+mj-lt"/>
               </a:rPr>
               <a:t>★</a:t>
             </a:r>
@@ -7196,7 +7194,7 @@
               <a:solidFill>
                 <a:srgbClr val="0070C0"/>
               </a:solidFill>
-              <a:latin typeface="+mn-ea"/>
+              <a:latin typeface="+mj-lt"/>
             </a:endParaRPr>
           </a:p>
         </p:txBody>
@@ -7234,7 +7232,7 @@
                 <a:solidFill>
                   <a:srgbClr val="0070C0"/>
                 </a:solidFill>
-                <a:latin typeface="+mn-ea"/>
+                <a:latin typeface="+mj-lt"/>
               </a:rPr>
               <a:t>X</a:t>
             </a:r>
@@ -7243,7 +7241,7 @@
                 <a:solidFill>
                   <a:srgbClr val="0070C0"/>
                 </a:solidFill>
-                <a:latin typeface="+mn-ea"/>
+                <a:latin typeface="+mj-lt"/>
               </a:rPr>
               <a:t>★</a:t>
             </a:r>
@@ -7251,7 +7249,7 @@
               <a:solidFill>
                 <a:srgbClr val="0070C0"/>
               </a:solidFill>
-              <a:latin typeface="+mn-ea"/>
+              <a:latin typeface="+mj-lt"/>
             </a:endParaRPr>
           </a:p>
         </p:txBody>
@@ -7395,7 +7393,7 @@
                 <a:solidFill>
                   <a:srgbClr val="FF0000"/>
                 </a:solidFill>
-                <a:latin typeface="+mn-ea"/>
+                <a:latin typeface="+mj-lt"/>
               </a:rPr>
               <a:t>R</a:t>
             </a:r>
@@ -7404,7 +7402,7 @@
                 <a:solidFill>
                   <a:srgbClr val="FF0000"/>
                 </a:solidFill>
-                <a:latin typeface="+mn-ea"/>
+                <a:latin typeface="+mj-lt"/>
               </a:rPr>
               <a:t>★</a:t>
             </a:r>
@@ -7412,7 +7410,7 @@
               <a:solidFill>
                 <a:srgbClr val="FF0000"/>
               </a:solidFill>
-              <a:latin typeface="+mn-ea"/>
+              <a:latin typeface="+mj-lt"/>
             </a:endParaRPr>
           </a:p>
         </p:txBody>
@@ -7553,7 +7551,7 @@
                 <a:solidFill>
                   <a:srgbClr val="FF0000"/>
                 </a:solidFill>
-                <a:latin typeface="+mn-ea"/>
+                <a:latin typeface="+mj-lt"/>
               </a:rPr>
               <a:t>δ</a:t>
             </a:r>
@@ -7562,7 +7560,7 @@
                 <a:solidFill>
                   <a:srgbClr val="FF0000"/>
                 </a:solidFill>
-                <a:latin typeface="+mn-ea"/>
+                <a:latin typeface="+mj-lt"/>
               </a:rPr>
               <a:t>★</a:t>
             </a:r>
@@ -7570,7 +7568,7 @@
               <a:solidFill>
                 <a:srgbClr val="FF0000"/>
               </a:solidFill>
-              <a:latin typeface="+mn-ea"/>
+              <a:latin typeface="+mj-lt"/>
             </a:endParaRPr>
           </a:p>
         </p:txBody>
@@ -7663,7 +7661,7 @@
                 <a:solidFill>
                   <a:srgbClr val="FF0000"/>
                 </a:solidFill>
-                <a:latin typeface="+mn-ea"/>
+                <a:latin typeface="+mj-lt"/>
               </a:rPr>
               <a:t>α</a:t>
             </a:r>
@@ -7672,7 +7670,7 @@
                 <a:solidFill>
                   <a:srgbClr val="FF0000"/>
                 </a:solidFill>
-                <a:latin typeface="+mn-ea"/>
+                <a:latin typeface="+mj-lt"/>
               </a:rPr>
               <a:t>★</a:t>
             </a:r>
@@ -7680,7 +7678,7 @@
               <a:solidFill>
                 <a:srgbClr val="FF0000"/>
               </a:solidFill>
-              <a:latin typeface="+mn-ea"/>
+              <a:latin typeface="+mj-lt"/>
             </a:endParaRPr>
           </a:p>
         </p:txBody>
@@ -7738,96 +7736,96 @@
             <a:p>
               <a:r>
                 <a:rPr lang="en-US" altLang="zh-TW" dirty="0">
-                  <a:latin typeface="+mn-ea"/>
+                  <a:latin typeface="+mj-lt"/>
                 </a:rPr>
                 <a:t>Cartesian coordinate</a:t>
               </a:r>
               <a:r>
                 <a:rPr lang="zh-TW" altLang="en-US" dirty="0">
-                  <a:latin typeface="+mn-ea"/>
+                  <a:latin typeface="+mj-lt"/>
                 </a:rPr>
                 <a:t> </a:t>
               </a:r>
               <a:r>
                 <a:rPr lang="en-US" altLang="zh-TW" dirty="0">
-                  <a:latin typeface="+mn-ea"/>
+                  <a:latin typeface="+mj-lt"/>
                 </a:rPr>
                 <a:t>:</a:t>
               </a:r>
               <a:r>
                 <a:rPr lang="zh-TW" altLang="en-US" dirty="0">
-                  <a:latin typeface="+mn-ea"/>
+                  <a:latin typeface="+mj-lt"/>
                 </a:rPr>
                 <a:t> </a:t>
               </a:r>
               <a:r>
                 <a:rPr lang="en-US" altLang="zh-TW" dirty="0">
-                  <a:latin typeface="+mn-ea"/>
+                  <a:latin typeface="+mj-lt"/>
                 </a:rPr>
                 <a:t>(X</a:t>
               </a:r>
               <a:r>
                 <a:rPr lang="zh-TW" altLang="en-US" baseline="-25000" dirty="0">
-                  <a:latin typeface="+mn-ea"/>
+                  <a:latin typeface="+mj-lt"/>
                 </a:rPr>
                 <a:t>★</a:t>
               </a:r>
               <a:r>
                 <a:rPr lang="en-US" altLang="zh-TW" dirty="0">
-                  <a:latin typeface="+mn-ea"/>
+                  <a:latin typeface="+mj-lt"/>
                 </a:rPr>
                 <a:t>,</a:t>
               </a:r>
               <a:r>
                 <a:rPr lang="zh-TW" altLang="en-US" dirty="0">
-                  <a:latin typeface="+mn-ea"/>
+                  <a:latin typeface="+mj-lt"/>
                 </a:rPr>
                 <a:t> </a:t>
               </a:r>
               <a:r>
                 <a:rPr lang="en-US" altLang="zh-TW" dirty="0">
-                  <a:latin typeface="+mn-ea"/>
+                  <a:latin typeface="+mj-lt"/>
                 </a:rPr>
                 <a:t>Y</a:t>
               </a:r>
               <a:r>
                 <a:rPr lang="zh-TW" altLang="en-US" baseline="-25000" dirty="0">
-                  <a:latin typeface="+mn-ea"/>
+                  <a:latin typeface="+mj-lt"/>
                 </a:rPr>
                 <a:t>★</a:t>
               </a:r>
               <a:r>
                 <a:rPr lang="en-US" altLang="zh-TW" dirty="0">
-                  <a:latin typeface="+mn-ea"/>
+                  <a:latin typeface="+mj-lt"/>
                 </a:rPr>
                 <a:t>,</a:t>
               </a:r>
               <a:r>
                 <a:rPr lang="zh-TW" altLang="en-US" dirty="0">
-                  <a:latin typeface="+mn-ea"/>
+                  <a:latin typeface="+mj-lt"/>
                 </a:rPr>
                 <a:t> </a:t>
               </a:r>
               <a:r>
                 <a:rPr lang="en-US" altLang="zh-TW" dirty="0">
-                  <a:latin typeface="+mn-ea"/>
+                  <a:latin typeface="+mj-lt"/>
                 </a:rPr>
                 <a:t>Z</a:t>
               </a:r>
               <a:r>
                 <a:rPr lang="zh-TW" altLang="en-US" baseline="-25000" dirty="0">
-                  <a:latin typeface="+mn-ea"/>
+                  <a:latin typeface="+mj-lt"/>
                 </a:rPr>
                 <a:t>★</a:t>
               </a:r>
               <a:r>
                 <a:rPr lang="en-US" altLang="zh-TW" dirty="0">
-                  <a:latin typeface="+mn-ea"/>
+                  <a:latin typeface="+mj-lt"/>
                 </a:rPr>
                 <a:t>)</a:t>
               </a:r>
               <a:endParaRPr lang="zh-TW" altLang="en-US" dirty="0">
-                <a:latin typeface="+mn-ea"/>
+                <a:latin typeface="+mj-lt"/>
               </a:endParaRPr>
             </a:p>
           </p:txBody>
@@ -7862,96 +7860,96 @@
             <a:p>
               <a:r>
                 <a:rPr lang="en-US" altLang="zh-TW" dirty="0">
-                  <a:latin typeface="+mn-ea"/>
+                  <a:latin typeface="+mj-lt"/>
                 </a:rPr>
                 <a:t>spherical coordinate</a:t>
               </a:r>
               <a:r>
                 <a:rPr lang="zh-TW" altLang="en-US" dirty="0">
-                  <a:latin typeface="+mn-ea"/>
+                  <a:latin typeface="+mj-lt"/>
                 </a:rPr>
                 <a:t> </a:t>
               </a:r>
               <a:r>
                 <a:rPr lang="en-US" altLang="zh-TW" dirty="0">
-                  <a:latin typeface="+mn-ea"/>
+                  <a:latin typeface="+mj-lt"/>
                 </a:rPr>
                 <a:t>:</a:t>
               </a:r>
               <a:r>
                 <a:rPr lang="zh-TW" altLang="en-US" dirty="0">
-                  <a:latin typeface="+mn-ea"/>
+                  <a:latin typeface="+mj-lt"/>
                 </a:rPr>
                 <a:t> </a:t>
               </a:r>
               <a:r>
                 <a:rPr lang="en-US" altLang="zh-TW" dirty="0">
-                  <a:latin typeface="+mn-ea"/>
+                  <a:latin typeface="+mj-lt"/>
                 </a:rPr>
                 <a:t>(α</a:t>
               </a:r>
               <a:r>
                 <a:rPr lang="zh-TW" altLang="en-US" baseline="-25000" dirty="0">
-                  <a:latin typeface="+mn-ea"/>
+                  <a:latin typeface="+mj-lt"/>
                 </a:rPr>
                 <a:t>★</a:t>
               </a:r>
               <a:r>
                 <a:rPr lang="en-US" altLang="zh-TW" dirty="0">
-                  <a:latin typeface="+mn-ea"/>
+                  <a:latin typeface="+mj-lt"/>
                 </a:rPr>
                 <a:t>,</a:t>
               </a:r>
               <a:r>
                 <a:rPr lang="zh-TW" altLang="en-US" dirty="0">
-                  <a:latin typeface="+mn-ea"/>
+                  <a:latin typeface="+mj-lt"/>
                 </a:rPr>
                 <a:t> </a:t>
               </a:r>
               <a:r>
                 <a:rPr lang="en-US" altLang="zh-TW" dirty="0">
-                  <a:latin typeface="+mn-ea"/>
+                  <a:latin typeface="+mj-lt"/>
                 </a:rPr>
                 <a:t>δ</a:t>
               </a:r>
               <a:r>
                 <a:rPr lang="zh-TW" altLang="en-US" baseline="-25000" dirty="0">
-                  <a:latin typeface="+mn-ea"/>
+                  <a:latin typeface="+mj-lt"/>
                 </a:rPr>
                 <a:t>★</a:t>
               </a:r>
               <a:r>
                 <a:rPr lang="en-US" altLang="zh-TW" dirty="0">
-                  <a:latin typeface="+mn-ea"/>
+                  <a:latin typeface="+mj-lt"/>
                 </a:rPr>
                 <a:t>,</a:t>
               </a:r>
               <a:r>
                 <a:rPr lang="zh-TW" altLang="en-US" dirty="0">
-                  <a:latin typeface="+mn-ea"/>
+                  <a:latin typeface="+mj-lt"/>
                 </a:rPr>
                 <a:t> </a:t>
               </a:r>
               <a:r>
                 <a:rPr lang="en-US" altLang="zh-TW" dirty="0">
-                  <a:latin typeface="+mn-ea"/>
+                  <a:latin typeface="+mj-lt"/>
                 </a:rPr>
                 <a:t>R</a:t>
               </a:r>
               <a:r>
                 <a:rPr lang="zh-TW" altLang="en-US" baseline="-25000" dirty="0">
-                  <a:latin typeface="+mn-ea"/>
+                  <a:latin typeface="+mj-lt"/>
                 </a:rPr>
                 <a:t>★</a:t>
               </a:r>
               <a:r>
                 <a:rPr lang="en-US" altLang="zh-TW" dirty="0">
-                  <a:latin typeface="+mn-ea"/>
+                  <a:latin typeface="+mj-lt"/>
                 </a:rPr>
                 <a:t>)</a:t>
               </a:r>
               <a:endParaRPr lang="zh-TW" altLang="en-US" dirty="0">
-                <a:latin typeface="+mn-ea"/>
+                <a:latin typeface="+mj-lt"/>
               </a:endParaRPr>
             </a:p>
           </p:txBody>
@@ -7971,8 +7969,8 @@
         </p:nvSpPr>
         <p:spPr>
           <a:xfrm rot="660000">
-            <a:off x="4213898" y="4227137"/>
-            <a:ext cx="4348994" cy="369332"/>
+            <a:off x="4287881" y="3997506"/>
+            <a:ext cx="2101817" cy="369332"/>
           </a:xfrm>
           <a:prstGeom prst="rect">
             <a:avLst/>
